--- a/成果発表/成果発表.pptx
+++ b/成果発表/成果発表.pptx
@@ -230,9 +230,9 @@
 </file>
 
 <file path=ppt/charts/chart1.xml><?xml version="1.0" encoding="utf-8"?>
-<c:chartSpace xmlns:c="http://schemas.openxmlformats.org/drawingml/2006/chart" xmlns:a="http://schemas.openxmlformats.org/drawingml/2006/main" xmlns:r="http://schemas.openxmlformats.org/officeDocument/2006/relationships">
+<c:chartSpace xmlns:c="http://schemas.openxmlformats.org/drawingml/2006/chart" xmlns:a="http://schemas.openxmlformats.org/drawingml/2006/main" xmlns:r="http://schemas.openxmlformats.org/officeDocument/2006/relationships" xmlns:c16r2="http://schemas.microsoft.com/office/drawing/2015/06/chart">
   <c:date1904 val="0"/>
-  <c:lang val="ja-JP"/>
+  <c:lang val="zh-CN"/>
   <c:roundedCorners val="0"/>
   <mc:AlternateContent xmlns:mc="http://schemas.openxmlformats.org/markup-compatibility/2006">
     <mc:Choice xmlns:c14="http://schemas.microsoft.com/office/drawing/2007/8/2/chart" Requires="c14">
@@ -250,7 +250,7 @@
           <a:lstStyle/>
           <a:p>
             <a:pPr>
-              <a:defRPr sz="2128" b="1" i="0" u="none" strike="noStrike" kern="1200" cap="none" spc="0" normalizeH="0" baseline="0">
+              <a:defRPr lang="ja-JP" sz="2128" b="1" i="0" u="none" strike="noStrike" kern="1200" cap="none" spc="0" normalizeH="0" baseline="0">
                 <a:solidFill>
                   <a:schemeClr val="dk1">
                     <a:lumMod val="50000"/>
@@ -272,7 +272,6 @@
           </a:p>
         </c:rich>
       </c:tx>
-      <c:layout/>
       <c:overlay val="0"/>
       <c:spPr>
         <a:noFill/>
@@ -286,7 +285,7 @@
         <a:lstStyle/>
         <a:p>
           <a:pPr>
-            <a:defRPr sz="2128" b="1" i="0" u="none" strike="noStrike" kern="1200" cap="none" spc="0" normalizeH="0" baseline="0">
+            <a:defRPr lang="ja-JP" sz="2128" b="1" i="0" u="none" strike="noStrike" kern="1200" cap="none" spc="0" normalizeH="0" baseline="0">
               <a:solidFill>
                 <a:schemeClr val="dk1">
                   <a:lumMod val="50000"/>
@@ -298,7 +297,7 @@
               <a:cs typeface="+mj-cs"/>
             </a:defRPr>
           </a:pPr>
-          <a:endParaRPr lang="ja-JP"/>
+          <a:endParaRPr lang="en-US"/>
         </a:p>
       </c:txPr>
     </c:title>
@@ -380,6 +379,11 @@
               </c:numCache>
             </c:numRef>
           </c:val>
+          <c:extLst>
+            <c:ext xmlns:c16="http://schemas.microsoft.com/office/drawing/2014/chart" uri="{C3380CC4-5D6E-409C-BE32-E72D297353CC}">
+              <c16:uniqueId val="{00000000-53A9-45F1-A8D0-338E254A0F99}"/>
+            </c:ext>
+          </c:extLst>
         </c:ser>
         <c:dLbls>
           <c:showLegendKey val="0"/>
@@ -437,7 +441,7 @@
           <a:lstStyle/>
           <a:p>
             <a:pPr>
-              <a:defRPr sz="1197" b="0" i="0" u="none" strike="noStrike" kern="1200" cap="none" spc="0" normalizeH="0" baseline="0">
+              <a:defRPr lang="ja-JP" sz="1197" b="0" i="0" u="none" strike="noStrike" kern="1200" cap="none" spc="0" normalizeH="0" baseline="0">
                 <a:solidFill>
                   <a:schemeClr val="dk1">
                     <a:lumMod val="65000"/>
@@ -449,7 +453,7 @@
                 <a:cs typeface="+mn-cs"/>
               </a:defRPr>
             </a:pPr>
-            <a:endParaRPr lang="ja-JP"/>
+            <a:endParaRPr lang="en-US"/>
           </a:p>
         </c:txPr>
         <c:crossAx val="301631240"/>
@@ -496,7 +500,7 @@
           <a:lstStyle/>
           <a:p>
             <a:pPr>
-              <a:defRPr sz="1197" b="0" i="0" u="none" strike="noStrike" kern="1200" baseline="0">
+              <a:defRPr lang="ja-JP" sz="1197" b="0" i="0" u="none" strike="noStrike" kern="1200" baseline="0">
                 <a:solidFill>
                   <a:schemeClr val="dk1">
                     <a:lumMod val="65000"/>
@@ -508,7 +512,7 @@
                 <a:cs typeface="+mn-cs"/>
               </a:defRPr>
             </a:pPr>
-            <a:endParaRPr lang="ja-JP"/>
+            <a:endParaRPr lang="en-US"/>
           </a:p>
         </c:txPr>
         <c:crossAx val="301628888"/>
@@ -535,7 +539,6 @@
     </c:plotArea>
     <c:legend>
       <c:legendPos val="b"/>
-      <c:layout/>
       <c:overlay val="0"/>
       <c:spPr>
         <a:noFill/>
@@ -549,7 +552,7 @@
         <a:lstStyle/>
         <a:p>
           <a:pPr>
-            <a:defRPr sz="1197" b="0" i="0" u="none" strike="noStrike" kern="1200" baseline="0">
+            <a:defRPr lang="ja-JP" sz="1197" b="0" i="0" u="none" strike="noStrike" kern="1200" baseline="0">
               <a:solidFill>
                 <a:schemeClr val="dk1">
                   <a:lumMod val="65000"/>
@@ -561,7 +564,7 @@
               <a:cs typeface="+mn-cs"/>
             </a:defRPr>
           </a:pPr>
-          <a:endParaRPr lang="ja-JP"/>
+          <a:endParaRPr lang="en-US"/>
         </a:p>
       </c:txPr>
     </c:legend>
@@ -591,7 +594,7 @@
       <a:pPr>
         <a:defRPr/>
       </a:pPr>
-      <a:endParaRPr lang="ja-JP"/>
+      <a:endParaRPr lang="en-US"/>
     </a:p>
   </c:txPr>
   <c:externalData r:id="rId3">
@@ -14356,25 +14359,35 @@
           </a:p>
         </p:txBody>
       </p:sp>
-      <p:sp>
-        <p:nvSpPr>
-          <p:cNvPr id="3" name="コンテンツ プレースホルダー 2"/>
-          <p:cNvSpPr>
-            <a:spLocks noGrp="1"/>
-          </p:cNvSpPr>
+      <p:pic>
+        <p:nvPicPr>
+          <p:cNvPr id="4" name="内容占位符 3"/>
+          <p:cNvPicPr>
+            <a:picLocks noGrp="1" noChangeAspect="1"/>
+          </p:cNvPicPr>
           <p:nvPr>
             <p:ph idx="13"/>
           </p:nvPr>
-        </p:nvSpPr>
-        <p:spPr/>
-        <p:txBody>
-          <a:bodyPr/>
-          <a:lstStyle/>
-          <a:p>
-            <a:endParaRPr kumimoji="1" lang="ja-JP" altLang="en-US"/>
-          </a:p>
-        </p:txBody>
-      </p:sp>
+        </p:nvPicPr>
+        <p:blipFill>
+          <a:blip r:embed="rId3">
+            <a:extLst>
+              <a:ext uri="{28A0092B-C50C-407E-A947-70E740481C1C}">
+                <a14:useLocalDpi xmlns:a14="http://schemas.microsoft.com/office/drawing/2010/main" val="0"/>
+              </a:ext>
+            </a:extLst>
+          </a:blip>
+          <a:stretch>
+            <a:fillRect/>
+          </a:stretch>
+        </p:blipFill>
+        <p:spPr>
+          <a:xfrm>
+            <a:off x="5230316" y="1052736"/>
+            <a:ext cx="3607554" cy="4191000"/>
+          </a:xfrm>
+        </p:spPr>
+      </p:pic>
     </p:spTree>
     <p:extLst>
       <p:ext uri="{BB962C8B-B14F-4D97-AF65-F5344CB8AC3E}">
@@ -14424,44 +14437,125 @@
           <a:chExt cx="0" cy="0"/>
         </a:xfrm>
       </p:grpSpPr>
-      <p:sp>
-        <p:nvSpPr>
-          <p:cNvPr id="2" name="タイトル 1"/>
-          <p:cNvSpPr>
-            <a:spLocks noGrp="1"/>
-          </p:cNvSpPr>
-          <p:nvPr>
-            <p:ph type="title"/>
-          </p:nvPr>
-        </p:nvSpPr>
-        <p:spPr/>
-        <p:txBody>
-          <a:bodyPr/>
-          <a:lstStyle/>
-          <a:p>
-            <a:endParaRPr kumimoji="1" lang="ja-JP" altLang="en-US"/>
-          </a:p>
-        </p:txBody>
-      </p:sp>
-      <p:sp>
-        <p:nvSpPr>
-          <p:cNvPr id="3" name="コンテンツ プレースホルダー 2"/>
-          <p:cNvSpPr>
-            <a:spLocks noGrp="1"/>
-          </p:cNvSpPr>
+      <p:pic>
+        <p:nvPicPr>
+          <p:cNvPr id="4" name="内容占位符 3"/>
+          <p:cNvPicPr>
+            <a:picLocks noGrp="1" noChangeAspect="1"/>
+          </p:cNvPicPr>
           <p:nvPr>
             <p:ph idx="13"/>
           </p:nvPr>
-        </p:nvSpPr>
-        <p:spPr/>
-        <p:txBody>
-          <a:bodyPr/>
-          <a:lstStyle/>
-          <a:p>
-            <a:endParaRPr kumimoji="1" lang="ja-JP" altLang="en-US"/>
-          </a:p>
-        </p:txBody>
-      </p:sp>
+        </p:nvPicPr>
+        <p:blipFill>
+          <a:blip r:embed="rId3">
+            <a:extLst>
+              <a:ext uri="{28A0092B-C50C-407E-A947-70E740481C1C}">
+                <a14:useLocalDpi xmlns:a14="http://schemas.microsoft.com/office/drawing/2010/main" val="0"/>
+              </a:ext>
+            </a:extLst>
+          </a:blip>
+          <a:stretch>
+            <a:fillRect/>
+          </a:stretch>
+        </p:blipFill>
+        <p:spPr>
+          <a:xfrm>
+            <a:off x="5446340" y="764703"/>
+            <a:ext cx="5698751" cy="3625153"/>
+          </a:xfrm>
+        </p:spPr>
+      </p:pic>
+      <p:pic>
+        <p:nvPicPr>
+          <p:cNvPr id="5" name="图片 4"/>
+          <p:cNvPicPr>
+            <a:picLocks noChangeAspect="1"/>
+          </p:cNvPicPr>
+          <p:nvPr/>
+        </p:nvPicPr>
+        <p:blipFill>
+          <a:blip r:embed="rId4">
+            <a:extLst>
+              <a:ext uri="{28A0092B-C50C-407E-A947-70E740481C1C}">
+                <a14:useLocalDpi xmlns:a14="http://schemas.microsoft.com/office/drawing/2010/main" val="0"/>
+              </a:ext>
+            </a:extLst>
+          </a:blip>
+          <a:stretch>
+            <a:fillRect/>
+          </a:stretch>
+        </p:blipFill>
+        <p:spPr>
+          <a:xfrm>
+            <a:off x="765820" y="332656"/>
+            <a:ext cx="4248472" cy="4489249"/>
+          </a:xfrm>
+          <a:prstGeom prst="rect">
+            <a:avLst/>
+          </a:prstGeom>
+        </p:spPr>
+      </p:pic>
+      <p:pic>
+        <p:nvPicPr>
+          <p:cNvPr id="6" name="图片 5"/>
+          <p:cNvPicPr>
+            <a:picLocks noChangeAspect="1"/>
+          </p:cNvPicPr>
+          <p:nvPr/>
+        </p:nvPicPr>
+        <p:blipFill>
+          <a:blip r:embed="rId5" cstate="print">
+            <a:extLst>
+              <a:ext uri="{28A0092B-C50C-407E-A947-70E740481C1C}">
+                <a14:useLocalDpi xmlns:a14="http://schemas.microsoft.com/office/drawing/2010/main" val="0"/>
+              </a:ext>
+            </a:extLst>
+          </a:blip>
+          <a:stretch>
+            <a:fillRect/>
+          </a:stretch>
+        </p:blipFill>
+        <p:spPr>
+          <a:xfrm rot="5400000">
+            <a:off x="1824896" y="2096804"/>
+            <a:ext cx="5085184" cy="3813888"/>
+          </a:xfrm>
+          <a:prstGeom prst="rect">
+            <a:avLst/>
+          </a:prstGeom>
+        </p:spPr>
+      </p:pic>
+      <p:pic>
+        <p:nvPicPr>
+          <p:cNvPr id="7" name="图片 6"/>
+          <p:cNvPicPr>
+            <a:picLocks noChangeAspect="1"/>
+          </p:cNvPicPr>
+          <p:nvPr/>
+        </p:nvPicPr>
+        <p:blipFill>
+          <a:blip r:embed="rId6" cstate="print">
+            <a:extLst>
+              <a:ext uri="{28A0092B-C50C-407E-A947-70E740481C1C}">
+                <a14:useLocalDpi xmlns:a14="http://schemas.microsoft.com/office/drawing/2010/main" val="0"/>
+              </a:ext>
+            </a:extLst>
+          </a:blip>
+          <a:stretch>
+            <a:fillRect/>
+          </a:stretch>
+        </p:blipFill>
+        <p:spPr>
+          <a:xfrm>
+            <a:off x="7102524" y="2514778"/>
+            <a:ext cx="3480776" cy="6188046"/>
+          </a:xfrm>
+          <a:prstGeom prst="rect">
+            <a:avLst/>
+          </a:prstGeom>
+        </p:spPr>
+      </p:pic>
     </p:spTree>
     <p:extLst>
       <p:ext uri="{BB962C8B-B14F-4D97-AF65-F5344CB8AC3E}">
@@ -14530,25 +14624,65 @@
           </a:p>
         </p:txBody>
       </p:sp>
-      <p:sp>
-        <p:nvSpPr>
-          <p:cNvPr id="3" name="コンテンツ プレースホルダー 2"/>
-          <p:cNvSpPr>
-            <a:spLocks noGrp="1"/>
-          </p:cNvSpPr>
+      <p:pic>
+        <p:nvPicPr>
+          <p:cNvPr id="4" name="内容占位符 3"/>
+          <p:cNvPicPr>
+            <a:picLocks noGrp="1" noChangeAspect="1"/>
+          </p:cNvPicPr>
           <p:nvPr>
             <p:ph idx="13"/>
           </p:nvPr>
-        </p:nvSpPr>
-        <p:spPr/>
-        <p:txBody>
-          <a:bodyPr/>
-          <a:lstStyle/>
-          <a:p>
-            <a:endParaRPr kumimoji="1" lang="ja-JP" altLang="en-US"/>
-          </a:p>
-        </p:txBody>
-      </p:sp>
+        </p:nvPicPr>
+        <p:blipFill>
+          <a:blip r:embed="rId3">
+            <a:extLst>
+              <a:ext uri="{28A0092B-C50C-407E-A947-70E740481C1C}">
+                <a14:useLocalDpi xmlns:a14="http://schemas.microsoft.com/office/drawing/2010/main" val="0"/>
+              </a:ext>
+            </a:extLst>
+          </a:blip>
+          <a:stretch>
+            <a:fillRect/>
+          </a:stretch>
+        </p:blipFill>
+        <p:spPr>
+          <a:xfrm>
+            <a:off x="7390556" y="514399"/>
+            <a:ext cx="3282507" cy="5623521"/>
+          </a:xfrm>
+        </p:spPr>
+      </p:pic>
+      <p:pic>
+        <p:nvPicPr>
+          <p:cNvPr id="5" name="图片 4"/>
+          <p:cNvPicPr>
+            <a:picLocks noChangeAspect="1"/>
+          </p:cNvPicPr>
+          <p:nvPr/>
+        </p:nvPicPr>
+        <p:blipFill>
+          <a:blip r:embed="rId4">
+            <a:extLst>
+              <a:ext uri="{28A0092B-C50C-407E-A947-70E740481C1C}">
+                <a14:useLocalDpi xmlns:a14="http://schemas.microsoft.com/office/drawing/2010/main" val="0"/>
+              </a:ext>
+            </a:extLst>
+          </a:blip>
+          <a:stretch>
+            <a:fillRect/>
+          </a:stretch>
+        </p:blipFill>
+        <p:spPr>
+          <a:xfrm>
+            <a:off x="3286100" y="332656"/>
+            <a:ext cx="3744416" cy="5002306"/>
+          </a:xfrm>
+          <a:prstGeom prst="rect">
+            <a:avLst/>
+          </a:prstGeom>
+        </p:spPr>
+      </p:pic>
     </p:spTree>
     <p:extLst>
       <p:ext uri="{BB962C8B-B14F-4D97-AF65-F5344CB8AC3E}">
